--- a/28组爬虫.pptx
+++ b/28组爬虫.pptx
@@ -5,16 +5,16 @@
     <p:sldMasterId id="2147483648" r:id="rId1"/>
   </p:sldMasterIdLst>
   <p:notesMasterIdLst>
-    <p:notesMasterId r:id="rId4"/>
+    <p:notesMasterId r:id="rId9"/>
   </p:notesMasterIdLst>
   <p:sldIdLst>
-    <p:sldId id="256" r:id="rId3"/>
-    <p:sldId id="257" r:id="rId5"/>
-    <p:sldId id="272" r:id="rId6"/>
-    <p:sldId id="259" r:id="rId7"/>
-    <p:sldId id="273" r:id="rId8"/>
-    <p:sldId id="275" r:id="rId9"/>
-    <p:sldId id="258" r:id="rId10"/>
+    <p:sldId id="256" r:id="rId2"/>
+    <p:sldId id="257" r:id="rId3"/>
+    <p:sldId id="272" r:id="rId4"/>
+    <p:sldId id="259" r:id="rId5"/>
+    <p:sldId id="273" r:id="rId6"/>
+    <p:sldId id="275" r:id="rId7"/>
+    <p:sldId id="258" r:id="rId8"/>
   </p:sldIdLst>
   <p:sldSz cx="12192000" cy="6858000"/>
   <p:notesSz cx="6858000" cy="9144000"/>
@@ -140,6 +140,20 @@
         </p14:section>
       </p14:sectionLst>
     </p:ext>
+    <p:ext uri="{EFAFB233-063F-42B5-8137-9DF3F51BA10A}">
+      <p15:sldGuideLst xmlns:p15="http://schemas.microsoft.com/office/powerpoint/2012/main">
+        <p15:guide id="1" orient="horz" pos="2137">
+          <p15:clr>
+            <a:srgbClr val="A4A3A4"/>
+          </p15:clr>
+        </p15:guide>
+        <p15:guide id="2" pos="3840">
+          <p15:clr>
+            <a:srgbClr val="A4A3A4"/>
+          </p15:clr>
+        </p15:guide>
+      </p15:sldGuideLst>
+    </p:ext>
   </p:extLst>
 </p:presentation>
 </file>
@@ -226,6 +240,7 @@
           <a:p>
             <a:fld id="{4FC88B9E-BC18-4FE0-B144-4F803BEE043B}" type="datetimeFigureOut">
               <a:rPr lang="zh-CN" altLang="en-US" smtClean="0"/>
+              <a:t>2016/1/6</a:t>
             </a:fld>
             <a:endParaRPr lang="zh-CN" altLang="en-US"/>
           </a:p>
@@ -292,7 +307,6 @@
               <a:rPr lang="zh-CN" altLang="en-US" smtClean="0"/>
               <a:t>单击此处编辑母版文本样式</a:t>
             </a:r>
-            <a:endParaRPr lang="zh-CN" altLang="en-US" smtClean="0"/>
           </a:p>
           <a:p>
             <a:pPr lvl="1"/>
@@ -300,7 +314,6 @@
               <a:rPr lang="zh-CN" altLang="en-US" smtClean="0"/>
               <a:t>第二级</a:t>
             </a:r>
-            <a:endParaRPr lang="zh-CN" altLang="en-US" smtClean="0"/>
           </a:p>
           <a:p>
             <a:pPr lvl="2"/>
@@ -308,7 +321,6 @@
               <a:rPr lang="zh-CN" altLang="en-US" smtClean="0"/>
               <a:t>第三级</a:t>
             </a:r>
-            <a:endParaRPr lang="zh-CN" altLang="en-US" smtClean="0"/>
           </a:p>
           <a:p>
             <a:pPr lvl="3"/>
@@ -316,7 +328,6 @@
               <a:rPr lang="zh-CN" altLang="en-US" smtClean="0"/>
               <a:t>第四级</a:t>
             </a:r>
-            <a:endParaRPr lang="zh-CN" altLang="en-US" smtClean="0"/>
           </a:p>
           <a:p>
             <a:pPr lvl="4"/>
@@ -388,12 +399,18 @@
           <a:p>
             <a:fld id="{104B4802-9881-4DE4-B9E0-580767D94B00}" type="slidenum">
               <a:rPr lang="zh-CN" altLang="en-US" smtClean="0"/>
+              <a:t>‹#›</a:t>
             </a:fld>
             <a:endParaRPr lang="zh-CN" altLang="en-US"/>
           </a:p>
         </p:txBody>
       </p:sp>
     </p:spTree>
+    <p:extLst>
+      <p:ext uri="{BB962C8B-B14F-4D97-AF65-F5344CB8AC3E}">
+        <p14:creationId xmlns:p14="http://schemas.microsoft.com/office/powerpoint/2010/main" val="583314137"/>
+      </p:ext>
+    </p:extLst>
   </p:cSld>
   <p:clrMap bg1="lt1" tx1="dk1" bg2="lt2" tx2="dk2" accent1="accent1" accent2="accent2" accent3="accent3" accent4="accent4" accent5="accent5" accent6="accent6" hlink="hlink" folHlink="folHlink"/>
   <p:notesStyle>
@@ -556,12 +573,18 @@
           <a:p>
             <a:fld id="{104B4802-9881-4DE4-B9E0-580767D94B00}" type="slidenum">
               <a:rPr lang="zh-CN" altLang="en-US" smtClean="0"/>
+              <a:t>1</a:t>
             </a:fld>
             <a:endParaRPr lang="zh-CN" altLang="en-US"/>
           </a:p>
         </p:txBody>
       </p:sp>
     </p:spTree>
+    <p:extLst>
+      <p:ext uri="{BB962C8B-B14F-4D97-AF65-F5344CB8AC3E}">
+        <p14:creationId xmlns:p14="http://schemas.microsoft.com/office/powerpoint/2010/main" val="3310510203"/>
+      </p:ext>
+    </p:extLst>
   </p:cSld>
   <p:clrMapOvr>
     <a:masterClrMapping/>
@@ -634,12 +657,18 @@
           <a:p>
             <a:fld id="{104B4802-9881-4DE4-B9E0-580767D94B00}" type="slidenum">
               <a:rPr lang="zh-CN" altLang="en-US" smtClean="0"/>
+              <a:t>3</a:t>
             </a:fld>
             <a:endParaRPr lang="zh-CN" altLang="en-US"/>
           </a:p>
         </p:txBody>
       </p:sp>
     </p:spTree>
+    <p:extLst>
+      <p:ext uri="{BB962C8B-B14F-4D97-AF65-F5344CB8AC3E}">
+        <p14:creationId xmlns:p14="http://schemas.microsoft.com/office/powerpoint/2010/main" val="589673284"/>
+      </p:ext>
+    </p:extLst>
   </p:cSld>
   <p:clrMapOvr>
     <a:masterClrMapping/>
@@ -712,12 +741,18 @@
           <a:p>
             <a:fld id="{104B4802-9881-4DE4-B9E0-580767D94B00}" type="slidenum">
               <a:rPr lang="zh-CN" altLang="en-US" smtClean="0"/>
+              <a:t>4</a:t>
             </a:fld>
             <a:endParaRPr lang="zh-CN" altLang="en-US"/>
           </a:p>
         </p:txBody>
       </p:sp>
     </p:spTree>
+    <p:extLst>
+      <p:ext uri="{BB962C8B-B14F-4D97-AF65-F5344CB8AC3E}">
+        <p14:creationId xmlns:p14="http://schemas.microsoft.com/office/powerpoint/2010/main" val="1847133318"/>
+      </p:ext>
+    </p:extLst>
   </p:cSld>
   <p:clrMapOvr>
     <a:masterClrMapping/>
@@ -1001,15 +1036,6 @@
               </a:rPr>
               <a:t>的副本，方便多次使用。</a:t>
             </a:r>
-            <a:endParaRPr lang="zh-CN" altLang="zh-CN" sz="1200" kern="1200" dirty="0" smtClean="0">
-              <a:solidFill>
-                <a:schemeClr val="tx1"/>
-              </a:solidFill>
-              <a:effectLst/>
-              <a:latin typeface="+mn-lt"/>
-              <a:ea typeface="+mn-ea"/>
-              <a:cs typeface="+mn-cs"/>
-            </a:endParaRPr>
           </a:p>
           <a:p>
             <a:pPr algn="just">
@@ -1311,15 +1337,6 @@
               </a:rPr>
               <a:t>关键字。</a:t>
             </a:r>
-            <a:endParaRPr lang="zh-CN" altLang="zh-CN" sz="1200" kern="1200" dirty="0" smtClean="0">
-              <a:solidFill>
-                <a:schemeClr val="tx1"/>
-              </a:solidFill>
-              <a:effectLst/>
-              <a:latin typeface="+mn-lt"/>
-              <a:ea typeface="+mn-ea"/>
-              <a:cs typeface="+mn-cs"/>
-            </a:endParaRPr>
           </a:p>
           <a:p>
             <a:r>
@@ -1508,15 +1525,6 @@
               </a:rPr>
               <a:t>地址</a:t>
             </a:r>
-            <a:endParaRPr lang="zh-CN" altLang="zh-CN" sz="1200" kern="1200" dirty="0" smtClean="0">
-              <a:solidFill>
-                <a:schemeClr val="tx1"/>
-              </a:solidFill>
-              <a:effectLst/>
-              <a:latin typeface="+mn-lt"/>
-              <a:ea typeface="+mn-ea"/>
-              <a:cs typeface="+mn-cs"/>
-            </a:endParaRPr>
           </a:p>
           <a:p>
             <a:pPr marL="0" marR="0" indent="0" algn="just" defTabSz="914400" rtl="0" eaLnBrk="1" latinLnBrk="0" hangingPunct="1">
@@ -1571,10 +1579,6 @@
               </a:rPr>
               <a:t>当输出队列非空时，将页面保存为文件，不空就循环等待 </a:t>
             </a:r>
-            <a:endParaRPr lang="zh-CN" altLang="en-US" dirty="0" smtClean="0">
-              <a:latin typeface="微软雅黑" pitchFamily="34" charset="-122"/>
-              <a:ea typeface="微软雅黑" pitchFamily="34" charset="-122"/>
-            </a:endParaRPr>
           </a:p>
           <a:p>
             <a:pPr algn="just">
@@ -1673,12 +1677,18 @@
           <a:p>
             <a:fld id="{104B4802-9881-4DE4-B9E0-580767D94B00}" type="slidenum">
               <a:rPr lang="zh-CN" altLang="en-US" smtClean="0"/>
+              <a:t>5</a:t>
             </a:fld>
             <a:endParaRPr lang="zh-CN" altLang="en-US"/>
           </a:p>
         </p:txBody>
       </p:sp>
     </p:spTree>
+    <p:extLst>
+      <p:ext uri="{BB962C8B-B14F-4D97-AF65-F5344CB8AC3E}">
+        <p14:creationId xmlns:p14="http://schemas.microsoft.com/office/powerpoint/2010/main" val="3781622050"/>
+      </p:ext>
+    </p:extLst>
   </p:cSld>
   <p:clrMapOvr>
     <a:masterClrMapping/>
@@ -1767,12 +1777,18 @@
           <a:p>
             <a:fld id="{104B4802-9881-4DE4-B9E0-580767D94B00}" type="slidenum">
               <a:rPr lang="zh-CN" altLang="en-US" smtClean="0"/>
+              <a:t>6</a:t>
             </a:fld>
             <a:endParaRPr lang="zh-CN" altLang="en-US"/>
           </a:p>
         </p:txBody>
       </p:sp>
     </p:spTree>
+    <p:extLst>
+      <p:ext uri="{BB962C8B-B14F-4D97-AF65-F5344CB8AC3E}">
+        <p14:creationId xmlns:p14="http://schemas.microsoft.com/office/powerpoint/2010/main" val="600825945"/>
+      </p:ext>
+    </p:extLst>
   </p:cSld>
   <p:clrMapOvr>
     <a:masterClrMapping/>
@@ -1845,12 +1861,18 @@
           <a:p>
             <a:fld id="{104B4802-9881-4DE4-B9E0-580767D94B00}" type="slidenum">
               <a:rPr lang="zh-CN" altLang="en-US" smtClean="0"/>
+              <a:t>7</a:t>
             </a:fld>
             <a:endParaRPr lang="zh-CN" altLang="en-US"/>
           </a:p>
         </p:txBody>
       </p:sp>
     </p:spTree>
+    <p:extLst>
+      <p:ext uri="{BB962C8B-B14F-4D97-AF65-F5344CB8AC3E}">
+        <p14:creationId xmlns:p14="http://schemas.microsoft.com/office/powerpoint/2010/main" val="3178193245"/>
+      </p:ext>
+    </p:extLst>
   </p:cSld>
   <p:clrMapOvr>
     <a:masterClrMapping/>
@@ -2323,6 +2345,7 @@
           <a:p>
             <a:fld id="{5526953B-1904-4212-A279-11AB0F036837}" type="datetimeFigureOut">
               <a:rPr lang="zh-CN" altLang="en-US" smtClean="0"/>
+              <a:t>2016/1/6</a:t>
             </a:fld>
             <a:endParaRPr lang="zh-CN" altLang="en-US"/>
           </a:p>
@@ -2364,6 +2387,7 @@
           <a:p>
             <a:fld id="{E7956837-841C-4583-8B0A-910A39860BC5}" type="slidenum">
               <a:rPr lang="zh-CN" altLang="en-US" smtClean="0"/>
+              <a:t>‹#›</a:t>
             </a:fld>
             <a:endParaRPr lang="zh-CN" altLang="en-US"/>
           </a:p>
@@ -2437,7 +2461,6 @@
               <a:rPr lang="zh-CN" altLang="en-US" smtClean="0"/>
               <a:t>单击此处编辑母版文本样式</a:t>
             </a:r>
-            <a:endParaRPr lang="zh-CN" altLang="en-US" smtClean="0"/>
           </a:p>
           <a:p>
             <a:pPr lvl="1"/>
@@ -2445,7 +2468,6 @@
               <a:rPr lang="zh-CN" altLang="en-US" smtClean="0"/>
               <a:t>第二级</a:t>
             </a:r>
-            <a:endParaRPr lang="zh-CN" altLang="en-US" smtClean="0"/>
           </a:p>
           <a:p>
             <a:pPr lvl="2"/>
@@ -2453,7 +2475,6 @@
               <a:rPr lang="zh-CN" altLang="en-US" smtClean="0"/>
               <a:t>第三级</a:t>
             </a:r>
-            <a:endParaRPr lang="zh-CN" altLang="en-US" smtClean="0"/>
           </a:p>
           <a:p>
             <a:pPr lvl="3"/>
@@ -2461,7 +2482,6 @@
               <a:rPr lang="zh-CN" altLang="en-US" smtClean="0"/>
               <a:t>第四级</a:t>
             </a:r>
-            <a:endParaRPr lang="zh-CN" altLang="en-US" smtClean="0"/>
           </a:p>
           <a:p>
             <a:pPr lvl="4"/>
@@ -2490,6 +2510,7 @@
           <a:p>
             <a:fld id="{5526953B-1904-4212-A279-11AB0F036837}" type="datetimeFigureOut">
               <a:rPr lang="zh-CN" altLang="en-US" smtClean="0"/>
+              <a:t>2016/1/6</a:t>
             </a:fld>
             <a:endParaRPr lang="zh-CN" altLang="en-US"/>
           </a:p>
@@ -2531,6 +2552,7 @@
           <a:p>
             <a:fld id="{E7956837-841C-4583-8B0A-910A39860BC5}" type="slidenum">
               <a:rPr lang="zh-CN" altLang="en-US" smtClean="0"/>
+              <a:t>‹#›</a:t>
             </a:fld>
             <a:endParaRPr lang="zh-CN" altLang="en-US"/>
           </a:p>
@@ -2614,7 +2636,6 @@
               <a:rPr lang="zh-CN" altLang="en-US" smtClean="0"/>
               <a:t>单击此处编辑母版文本样式</a:t>
             </a:r>
-            <a:endParaRPr lang="zh-CN" altLang="en-US" smtClean="0"/>
           </a:p>
           <a:p>
             <a:pPr lvl="1"/>
@@ -2622,7 +2643,6 @@
               <a:rPr lang="zh-CN" altLang="en-US" smtClean="0"/>
               <a:t>第二级</a:t>
             </a:r>
-            <a:endParaRPr lang="zh-CN" altLang="en-US" smtClean="0"/>
           </a:p>
           <a:p>
             <a:pPr lvl="2"/>
@@ -2630,7 +2650,6 @@
               <a:rPr lang="zh-CN" altLang="en-US" smtClean="0"/>
               <a:t>第三级</a:t>
             </a:r>
-            <a:endParaRPr lang="zh-CN" altLang="en-US" smtClean="0"/>
           </a:p>
           <a:p>
             <a:pPr lvl="3"/>
@@ -2638,7 +2657,6 @@
               <a:rPr lang="zh-CN" altLang="en-US" smtClean="0"/>
               <a:t>第四级</a:t>
             </a:r>
-            <a:endParaRPr lang="zh-CN" altLang="en-US" smtClean="0"/>
           </a:p>
           <a:p>
             <a:pPr lvl="4"/>
@@ -2667,6 +2685,7 @@
           <a:p>
             <a:fld id="{5526953B-1904-4212-A279-11AB0F036837}" type="datetimeFigureOut">
               <a:rPr lang="zh-CN" altLang="en-US" smtClean="0"/>
+              <a:t>2016/1/6</a:t>
             </a:fld>
             <a:endParaRPr lang="zh-CN" altLang="en-US"/>
           </a:p>
@@ -2708,6 +2727,7 @@
           <a:p>
             <a:fld id="{E7956837-841C-4583-8B0A-910A39860BC5}" type="slidenum">
               <a:rPr lang="zh-CN" altLang="en-US" smtClean="0"/>
+              <a:t>‹#›</a:t>
             </a:fld>
             <a:endParaRPr lang="zh-CN" altLang="en-US"/>
           </a:p>
@@ -3775,7 +3795,6 @@
               <a:rPr lang="zh-CN" altLang="en-US" smtClean="0"/>
               <a:t>单击此处编辑母版文本样式</a:t>
             </a:r>
-            <a:endParaRPr lang="zh-CN" altLang="en-US" smtClean="0"/>
           </a:p>
           <a:p>
             <a:pPr lvl="1"/>
@@ -3783,7 +3802,6 @@
               <a:rPr lang="zh-CN" altLang="en-US" smtClean="0"/>
               <a:t>第二级</a:t>
             </a:r>
-            <a:endParaRPr lang="zh-CN" altLang="en-US" smtClean="0"/>
           </a:p>
           <a:p>
             <a:pPr lvl="2"/>
@@ -3791,7 +3809,6 @@
               <a:rPr lang="zh-CN" altLang="en-US" smtClean="0"/>
               <a:t>第三级</a:t>
             </a:r>
-            <a:endParaRPr lang="zh-CN" altLang="en-US" smtClean="0"/>
           </a:p>
           <a:p>
             <a:pPr lvl="3"/>
@@ -3799,7 +3816,6 @@
               <a:rPr lang="zh-CN" altLang="en-US" smtClean="0"/>
               <a:t>第四级</a:t>
             </a:r>
-            <a:endParaRPr lang="zh-CN" altLang="en-US" smtClean="0"/>
           </a:p>
           <a:p>
             <a:pPr lvl="4"/>
@@ -3836,7 +3852,6 @@
               <a:rPr lang="zh-CN" altLang="en-US" smtClean="0"/>
               <a:t>单击此处编辑母版文本样式</a:t>
             </a:r>
-            <a:endParaRPr lang="zh-CN" altLang="en-US" smtClean="0"/>
           </a:p>
           <a:p>
             <a:pPr lvl="1"/>
@@ -3844,7 +3859,6 @@
               <a:rPr lang="zh-CN" altLang="en-US" smtClean="0"/>
               <a:t>第二级</a:t>
             </a:r>
-            <a:endParaRPr lang="zh-CN" altLang="en-US" smtClean="0"/>
           </a:p>
           <a:p>
             <a:pPr lvl="2"/>
@@ -3852,7 +3866,6 @@
               <a:rPr lang="zh-CN" altLang="en-US" smtClean="0"/>
               <a:t>第三级</a:t>
             </a:r>
-            <a:endParaRPr lang="zh-CN" altLang="en-US" smtClean="0"/>
           </a:p>
           <a:p>
             <a:pPr lvl="3"/>
@@ -3860,7 +3873,6 @@
               <a:rPr lang="zh-CN" altLang="en-US" smtClean="0"/>
               <a:t>第四级</a:t>
             </a:r>
-            <a:endParaRPr lang="zh-CN" altLang="en-US" smtClean="0"/>
           </a:p>
           <a:p>
             <a:pPr lvl="4"/>
@@ -3889,6 +3901,7 @@
           <a:p>
             <a:fld id="{5526953B-1904-4212-A279-11AB0F036837}" type="datetimeFigureOut">
               <a:rPr lang="zh-CN" altLang="en-US" smtClean="0"/>
+              <a:t>2016/1/6</a:t>
             </a:fld>
             <a:endParaRPr lang="zh-CN" altLang="en-US"/>
           </a:p>
@@ -3930,6 +3943,7 @@
           <a:p>
             <a:fld id="{E7956837-841C-4583-8B0A-910A39860BC5}" type="slidenum">
               <a:rPr lang="zh-CN" altLang="en-US" smtClean="0"/>
+              <a:t>‹#›</a:t>
             </a:fld>
             <a:endParaRPr lang="zh-CN" altLang="en-US"/>
           </a:p>
@@ -4078,7 +4092,6 @@
               <a:rPr lang="zh-CN" altLang="en-US" smtClean="0"/>
               <a:t>单击此处编辑母版文本样式</a:t>
             </a:r>
-            <a:endParaRPr lang="zh-CN" altLang="en-US" smtClean="0"/>
           </a:p>
           <a:p>
             <a:pPr lvl="1"/>
@@ -4086,7 +4099,6 @@
               <a:rPr lang="zh-CN" altLang="en-US" smtClean="0"/>
               <a:t>第二级</a:t>
             </a:r>
-            <a:endParaRPr lang="zh-CN" altLang="en-US" smtClean="0"/>
           </a:p>
           <a:p>
             <a:pPr lvl="2"/>
@@ -4094,7 +4106,6 @@
               <a:rPr lang="zh-CN" altLang="en-US" smtClean="0"/>
               <a:t>第三级</a:t>
             </a:r>
-            <a:endParaRPr lang="zh-CN" altLang="en-US" smtClean="0"/>
           </a:p>
           <a:p>
             <a:pPr lvl="3"/>
@@ -4102,7 +4113,6 @@
               <a:rPr lang="zh-CN" altLang="en-US" smtClean="0"/>
               <a:t>第四级</a:t>
             </a:r>
-            <a:endParaRPr lang="zh-CN" altLang="en-US" smtClean="0"/>
           </a:p>
           <a:p>
             <a:pPr lvl="4"/>
@@ -4204,7 +4214,6 @@
               <a:rPr lang="zh-CN" altLang="en-US" smtClean="0"/>
               <a:t>单击此处编辑母版文本样式</a:t>
             </a:r>
-            <a:endParaRPr lang="zh-CN" altLang="en-US" smtClean="0"/>
           </a:p>
           <a:p>
             <a:pPr lvl="1"/>
@@ -4212,7 +4221,6 @@
               <a:rPr lang="zh-CN" altLang="en-US" smtClean="0"/>
               <a:t>第二级</a:t>
             </a:r>
-            <a:endParaRPr lang="zh-CN" altLang="en-US" smtClean="0"/>
           </a:p>
           <a:p>
             <a:pPr lvl="2"/>
@@ -4220,7 +4228,6 @@
               <a:rPr lang="zh-CN" altLang="en-US" smtClean="0"/>
               <a:t>第三级</a:t>
             </a:r>
-            <a:endParaRPr lang="zh-CN" altLang="en-US" smtClean="0"/>
           </a:p>
           <a:p>
             <a:pPr lvl="3"/>
@@ -4228,7 +4235,6 @@
               <a:rPr lang="zh-CN" altLang="en-US" smtClean="0"/>
               <a:t>第四级</a:t>
             </a:r>
-            <a:endParaRPr lang="zh-CN" altLang="en-US" smtClean="0"/>
           </a:p>
           <a:p>
             <a:pPr lvl="4"/>
@@ -4257,6 +4263,7 @@
           <a:p>
             <a:fld id="{5526953B-1904-4212-A279-11AB0F036837}" type="datetimeFigureOut">
               <a:rPr lang="zh-CN" altLang="en-US" smtClean="0"/>
+              <a:t>2016/1/6</a:t>
             </a:fld>
             <a:endParaRPr lang="zh-CN" altLang="en-US"/>
           </a:p>
@@ -4298,6 +4305,7 @@
           <a:p>
             <a:fld id="{E7956837-841C-4583-8B0A-910A39860BC5}" type="slidenum">
               <a:rPr lang="zh-CN" altLang="en-US" smtClean="0"/>
+              <a:t>‹#›</a:t>
             </a:fld>
             <a:endParaRPr lang="zh-CN" altLang="en-US"/>
           </a:p>
@@ -4368,6 +4376,7 @@
           <a:p>
             <a:fld id="{5526953B-1904-4212-A279-11AB0F036837}" type="datetimeFigureOut">
               <a:rPr lang="zh-CN" altLang="en-US" smtClean="0"/>
+              <a:t>2016/1/6</a:t>
             </a:fld>
             <a:endParaRPr lang="zh-CN" altLang="en-US"/>
           </a:p>
@@ -4409,6 +4418,7 @@
           <a:p>
             <a:fld id="{E7956837-841C-4583-8B0A-910A39860BC5}" type="slidenum">
               <a:rPr lang="zh-CN" altLang="en-US" smtClean="0"/>
+              <a:t>‹#›</a:t>
             </a:fld>
             <a:endParaRPr lang="zh-CN" altLang="en-US"/>
           </a:p>
@@ -4456,6 +4466,7 @@
           <a:p>
             <a:fld id="{5526953B-1904-4212-A279-11AB0F036837}" type="datetimeFigureOut">
               <a:rPr lang="zh-CN" altLang="en-US" smtClean="0"/>
+              <a:t>2016/1/6</a:t>
             </a:fld>
             <a:endParaRPr lang="zh-CN" altLang="en-US"/>
           </a:p>
@@ -4497,6 +4508,7 @@
           <a:p>
             <a:fld id="{E7956837-841C-4583-8B0A-910A39860BC5}" type="slidenum">
               <a:rPr lang="zh-CN" altLang="en-US" smtClean="0"/>
+              <a:t>‹#›</a:t>
             </a:fld>
             <a:endParaRPr lang="zh-CN" altLang="en-US"/>
           </a:p>
@@ -4612,7 +4624,6 @@
               <a:rPr lang="zh-CN" altLang="en-US" smtClean="0"/>
               <a:t>单击此处编辑母版文本样式</a:t>
             </a:r>
-            <a:endParaRPr lang="zh-CN" altLang="en-US" smtClean="0"/>
           </a:p>
           <a:p>
             <a:pPr lvl="1"/>
@@ -4620,7 +4631,6 @@
               <a:rPr lang="zh-CN" altLang="en-US" smtClean="0"/>
               <a:t>第二级</a:t>
             </a:r>
-            <a:endParaRPr lang="zh-CN" altLang="en-US" smtClean="0"/>
           </a:p>
           <a:p>
             <a:pPr lvl="2"/>
@@ -4628,7 +4638,6 @@
               <a:rPr lang="zh-CN" altLang="en-US" smtClean="0"/>
               <a:t>第三级</a:t>
             </a:r>
-            <a:endParaRPr lang="zh-CN" altLang="en-US" smtClean="0"/>
           </a:p>
           <a:p>
             <a:pPr lvl="3"/>
@@ -4636,7 +4645,6 @@
               <a:rPr lang="zh-CN" altLang="en-US" smtClean="0"/>
               <a:t>第四级</a:t>
             </a:r>
-            <a:endParaRPr lang="zh-CN" altLang="en-US" smtClean="0"/>
           </a:p>
           <a:p>
             <a:pPr lvl="4"/>
@@ -4730,6 +4738,7 @@
           <a:p>
             <a:fld id="{5526953B-1904-4212-A279-11AB0F036837}" type="datetimeFigureOut">
               <a:rPr lang="zh-CN" altLang="en-US" smtClean="0"/>
+              <a:t>2016/1/6</a:t>
             </a:fld>
             <a:endParaRPr lang="zh-CN" altLang="en-US"/>
           </a:p>
@@ -4771,6 +4780,7 @@
           <a:p>
             <a:fld id="{E7956837-841C-4583-8B0A-910A39860BC5}" type="slidenum">
               <a:rPr lang="zh-CN" altLang="en-US" smtClean="0"/>
+              <a:t>‹#›</a:t>
             </a:fld>
             <a:endParaRPr lang="zh-CN" altLang="en-US"/>
           </a:p>
@@ -4869,7 +4879,6 @@
               <a:rPr lang="zh-CN" altLang="en-US" smtClean="0"/>
               <a:t>单击此处编辑母版文本样式</a:t>
             </a:r>
-            <a:endParaRPr lang="zh-CN" altLang="en-US" smtClean="0"/>
           </a:p>
           <a:p>
             <a:pPr lvl="1"/>
@@ -4877,7 +4886,6 @@
               <a:rPr lang="zh-CN" altLang="en-US" smtClean="0"/>
               <a:t>第二级</a:t>
             </a:r>
-            <a:endParaRPr lang="zh-CN" altLang="en-US" smtClean="0"/>
           </a:p>
           <a:p>
             <a:pPr lvl="2"/>
@@ -4885,7 +4893,6 @@
               <a:rPr lang="zh-CN" altLang="en-US" smtClean="0"/>
               <a:t>第三级</a:t>
             </a:r>
-            <a:endParaRPr lang="zh-CN" altLang="en-US" smtClean="0"/>
           </a:p>
           <a:p>
             <a:pPr lvl="3"/>
@@ -4893,7 +4900,6 @@
               <a:rPr lang="zh-CN" altLang="en-US" smtClean="0"/>
               <a:t>第四级</a:t>
             </a:r>
-            <a:endParaRPr lang="zh-CN" altLang="en-US" smtClean="0"/>
           </a:p>
           <a:p>
             <a:pPr lvl="4"/>
@@ -4940,6 +4946,7 @@
           <a:p>
             <a:fld id="{5526953B-1904-4212-A279-11AB0F036837}" type="datetimeFigureOut">
               <a:rPr lang="zh-CN" altLang="en-US" smtClean="0"/>
+              <a:t>2016/1/6</a:t>
             </a:fld>
             <a:endParaRPr lang="zh-CN" altLang="en-US"/>
           </a:p>
@@ -5017,6 +5024,7 @@
           <a:p>
             <a:fld id="{E7956837-841C-4583-8B0A-910A39860BC5}" type="slidenum">
               <a:rPr lang="zh-CN" altLang="en-US" smtClean="0"/>
+              <a:t>‹#›</a:t>
             </a:fld>
             <a:endParaRPr lang="zh-CN" altLang="en-US"/>
           </a:p>
@@ -5384,6 +5392,23 @@
               </a:rPr>
               <a:t>郝建勇</a:t>
             </a:r>
+          </a:p>
+          <a:p>
+            <a:pPr>
+              <a:lnSpc>
+                <a:spcPct val="120000"/>
+              </a:lnSpc>
+            </a:pPr>
+            <a:r>
+              <a:rPr lang="en-US" altLang="zh-CN" sz="1600" dirty="0" smtClean="0">
+                <a:solidFill>
+                  <a:srgbClr val="555251"/>
+                </a:solidFill>
+                <a:latin typeface="微软雅黑" pitchFamily="34" charset="-122"/>
+                <a:ea typeface="微软雅黑" pitchFamily="34" charset="-122"/>
+              </a:rPr>
+              <a:t>1501210908</a:t>
+            </a:r>
             <a:endParaRPr lang="zh-CN" altLang="en-US" sz="1600" dirty="0" smtClean="0">
               <a:solidFill>
                 <a:srgbClr val="555251"/>
@@ -5399,14 +5424,31 @@
               </a:lnSpc>
             </a:pPr>
             <a:r>
-              <a:rPr lang="en-US" altLang="zh-CN" sz="1600" dirty="0" smtClean="0">
+              <a:rPr lang="zh-CN" altLang="en-US" sz="1600" dirty="0" smtClean="0">
                 <a:solidFill>
                   <a:srgbClr val="555251"/>
                 </a:solidFill>
                 <a:latin typeface="微软雅黑" pitchFamily="34" charset="-122"/>
                 <a:ea typeface="微软雅黑" pitchFamily="34" charset="-122"/>
               </a:rPr>
-              <a:t>1501210908</a:t>
+              <a:t>衣天旭</a:t>
+            </a:r>
+          </a:p>
+          <a:p>
+            <a:pPr>
+              <a:lnSpc>
+                <a:spcPct val="120000"/>
+              </a:lnSpc>
+            </a:pPr>
+            <a:r>
+              <a:rPr lang="en-US" altLang="zh-CN" sz="1600" dirty="0" smtClean="0">
+                <a:solidFill>
+                  <a:srgbClr val="555251"/>
+                </a:solidFill>
+                <a:latin typeface="微软雅黑" pitchFamily="34" charset="-122"/>
+                <a:ea typeface="微软雅黑" pitchFamily="34" charset="-122"/>
+              </a:rPr>
+              <a:t>1501211019</a:t>
             </a:r>
             <a:endParaRPr lang="zh-CN" altLang="en-US" sz="1600" dirty="0" smtClean="0">
               <a:solidFill>
@@ -5430,73 +5472,8 @@
                 <a:latin typeface="微软雅黑" pitchFamily="34" charset="-122"/>
                 <a:ea typeface="微软雅黑" pitchFamily="34" charset="-122"/>
               </a:rPr>
-              <a:t>衣</a:t>
-            </a:r>
-            <a:r>
-              <a:rPr lang="zh-CN" altLang="en-US" sz="1600" dirty="0" smtClean="0">
-                <a:solidFill>
-                  <a:srgbClr val="555251"/>
-                </a:solidFill>
-                <a:latin typeface="微软雅黑" pitchFamily="34" charset="-122"/>
-                <a:ea typeface="微软雅黑" pitchFamily="34" charset="-122"/>
-              </a:rPr>
-              <a:t>天旭</a:t>
-            </a:r>
-            <a:endParaRPr lang="zh-CN" altLang="en-US" sz="1600" dirty="0" smtClean="0">
-              <a:solidFill>
-                <a:srgbClr val="555251"/>
-              </a:solidFill>
-              <a:latin typeface="微软雅黑" pitchFamily="34" charset="-122"/>
-              <a:ea typeface="微软雅黑" pitchFamily="34" charset="-122"/>
-            </a:endParaRPr>
-          </a:p>
-          <a:p>
-            <a:pPr>
-              <a:lnSpc>
-                <a:spcPct val="120000"/>
-              </a:lnSpc>
-            </a:pPr>
-            <a:r>
-              <a:rPr lang="en-US" altLang="zh-CN" sz="1600" dirty="0" smtClean="0">
-                <a:solidFill>
-                  <a:srgbClr val="555251"/>
-                </a:solidFill>
-                <a:latin typeface="微软雅黑" pitchFamily="34" charset="-122"/>
-                <a:ea typeface="微软雅黑" pitchFamily="34" charset="-122"/>
-              </a:rPr>
-              <a:t>1501211019</a:t>
-            </a:r>
-            <a:endParaRPr lang="zh-CN" altLang="en-US" sz="1600" dirty="0" smtClean="0">
-              <a:solidFill>
-                <a:srgbClr val="555251"/>
-              </a:solidFill>
-              <a:latin typeface="微软雅黑" pitchFamily="34" charset="-122"/>
-              <a:ea typeface="微软雅黑" pitchFamily="34" charset="-122"/>
-            </a:endParaRPr>
-          </a:p>
-          <a:p>
-            <a:pPr>
-              <a:lnSpc>
-                <a:spcPct val="120000"/>
-              </a:lnSpc>
-            </a:pPr>
-            <a:r>
-              <a:rPr lang="zh-CN" altLang="en-US" sz="1600" dirty="0" smtClean="0">
-                <a:solidFill>
-                  <a:srgbClr val="555251"/>
-                </a:solidFill>
-                <a:latin typeface="微软雅黑" pitchFamily="34" charset="-122"/>
-                <a:ea typeface="微软雅黑" pitchFamily="34" charset="-122"/>
-              </a:rPr>
               <a:t>孙晴</a:t>
             </a:r>
-            <a:endParaRPr lang="zh-CN" altLang="en-US" sz="1600" dirty="0" smtClean="0">
-              <a:solidFill>
-                <a:srgbClr val="555251"/>
-              </a:solidFill>
-              <a:latin typeface="微软雅黑" pitchFamily="34" charset="-122"/>
-              <a:ea typeface="微软雅黑" pitchFamily="34" charset="-122"/>
-            </a:endParaRPr>
           </a:p>
           <a:p>
             <a:pPr>
@@ -5807,16 +5784,6 @@
                 </a:rPr>
                 <a:t>郝建勇：爬虫完善实现，分类分析</a:t>
               </a:r>
-              <a:endParaRPr lang="zh-CN" altLang="en-US" sz="3600" dirty="0" smtClean="0">
-                <a:solidFill>
-                  <a:schemeClr val="tx1">
-                    <a:lumMod val="65000"/>
-                    <a:lumOff val="35000"/>
-                  </a:schemeClr>
-                </a:solidFill>
-                <a:latin typeface="微软雅黑" pitchFamily="34" charset="-122"/>
-                <a:ea typeface="微软雅黑" pitchFamily="34" charset="-122"/>
-              </a:endParaRPr>
             </a:p>
             <a:p>
               <a:pPr algn="just">
@@ -5835,20 +5802,7 @@
                   <a:latin typeface="微软雅黑" pitchFamily="34" charset="-122"/>
                   <a:ea typeface="微软雅黑" pitchFamily="34" charset="-122"/>
                 </a:rPr>
-                <a:t>衣</a:t>
-              </a:r>
-              <a:r>
-                <a:rPr lang="zh-CN" altLang="en-US" sz="3600" dirty="0" smtClean="0">
-                  <a:solidFill>
-                    <a:schemeClr val="tx1">
-                      <a:lumMod val="65000"/>
-                      <a:lumOff val="35000"/>
-                    </a:schemeClr>
-                  </a:solidFill>
-                  <a:latin typeface="微软雅黑" pitchFamily="34" charset="-122"/>
-                  <a:ea typeface="微软雅黑" pitchFamily="34" charset="-122"/>
-                </a:rPr>
-                <a:t>天旭、孙晴：爬虫框架实现</a:t>
+                <a:t>衣天旭、孙晴：爬虫框架实现</a:t>
               </a:r>
               <a:endParaRPr lang="zh-CN" altLang="zh-CN" sz="3600" dirty="0">
                 <a:solidFill>
@@ -5879,7 +5833,7 @@
             <a:avLst/>
           </a:prstGeom>
           <a:blipFill>
-            <a:blip r:embed="rId1"/>
+            <a:blip r:embed="rId3"/>
             <a:srcRect/>
             <a:stretch>
               <a:fillRect/>
@@ -5925,7 +5879,7 @@
           <p:nvPr/>
         </p:nvPicPr>
         <p:blipFill>
-          <a:blip r:embed="rId2"/>
+          <a:blip r:embed="rId4"/>
           <a:srcRect/>
           <a:stretch>
             <a:fillRect/>
@@ -6337,16 +6291,6 @@
               </a:rPr>
               <a:t>博客：网站友好，格式比较统一，没有反爬虫，容易抓取</a:t>
             </a:r>
-            <a:endParaRPr lang="zh-CN" altLang="en-US" sz="2800" dirty="0">
-              <a:solidFill>
-                <a:schemeClr val="tx1">
-                  <a:lumMod val="65000"/>
-                  <a:lumOff val="35000"/>
-                </a:schemeClr>
-              </a:solidFill>
-              <a:latin typeface="微软雅黑" pitchFamily="34" charset="-122"/>
-              <a:ea typeface="微软雅黑" pitchFamily="34" charset="-122"/>
-            </a:endParaRPr>
           </a:p>
           <a:p>
             <a:pPr algn="just">
@@ -6436,16 +6380,6 @@
               </a:rPr>
               <a:t>资料，实现大量快速收集资料的目的。</a:t>
             </a:r>
-            <a:endParaRPr lang="zh-CN" altLang="en-US" sz="2800" dirty="0">
-              <a:solidFill>
-                <a:schemeClr val="tx1">
-                  <a:lumMod val="65000"/>
-                  <a:lumOff val="35000"/>
-                </a:schemeClr>
-              </a:solidFill>
-              <a:latin typeface="微软雅黑" pitchFamily="34" charset="-122"/>
-              <a:ea typeface="微软雅黑" pitchFamily="34" charset="-122"/>
-            </a:endParaRPr>
           </a:p>
           <a:p>
             <a:pPr algn="just">
@@ -6583,16 +6517,6 @@
               </a:rPr>
               <a:t>功能模块化，对于每一个独立的功能模块可以实现定制的功能</a:t>
             </a:r>
-            <a:endParaRPr lang="zh-CN" altLang="en-US" sz="2800" dirty="0">
-              <a:solidFill>
-                <a:schemeClr val="tx1">
-                  <a:lumMod val="65000"/>
-                  <a:lumOff val="35000"/>
-                </a:schemeClr>
-              </a:solidFill>
-              <a:latin typeface="微软雅黑" pitchFamily="34" charset="-122"/>
-              <a:ea typeface="微软雅黑" pitchFamily="34" charset="-122"/>
-            </a:endParaRPr>
           </a:p>
           <a:p>
             <a:pPr algn="just">
@@ -6626,16 +6550,6 @@
               </a:rPr>
               <a:t>轻量级，在保证基本功能的前提下，尽量使爬虫框架简单化</a:t>
             </a:r>
-            <a:endParaRPr lang="zh-CN" altLang="en-US" sz="2800" dirty="0">
-              <a:solidFill>
-                <a:schemeClr val="tx1">
-                  <a:lumMod val="65000"/>
-                  <a:lumOff val="35000"/>
-                </a:schemeClr>
-              </a:solidFill>
-              <a:latin typeface="微软雅黑" pitchFamily="34" charset="-122"/>
-              <a:ea typeface="微软雅黑" pitchFamily="34" charset="-122"/>
-            </a:endParaRPr>
           </a:p>
           <a:p>
             <a:pPr algn="just">
@@ -6695,16 +6609,6 @@
               </a:rPr>
               <a:t>的正则表达式即可</a:t>
             </a:r>
-            <a:endParaRPr lang="zh-CN" altLang="en-US" sz="2800" dirty="0">
-              <a:solidFill>
-                <a:schemeClr val="tx1">
-                  <a:lumMod val="65000"/>
-                  <a:lumOff val="35000"/>
-                </a:schemeClr>
-              </a:solidFill>
-              <a:latin typeface="微软雅黑" pitchFamily="34" charset="-122"/>
-              <a:ea typeface="微软雅黑" pitchFamily="34" charset="-122"/>
-            </a:endParaRPr>
           </a:p>
           <a:p>
             <a:pPr algn="just">
@@ -7162,23 +7066,22 @@
       </p:sp>
       <p:pic>
         <p:nvPicPr>
-          <p:cNvPr id="3" name="图片 2"/>
+          <p:cNvPr id="2" name="图片 1"/>
           <p:cNvPicPr>
             <a:picLocks noChangeAspect="1"/>
           </p:cNvPicPr>
           <p:nvPr/>
         </p:nvPicPr>
         <p:blipFill>
-          <a:blip r:embed="rId1"/>
-          <a:srcRect/>
+          <a:blip r:embed="rId3"/>
           <a:stretch>
             <a:fillRect/>
           </a:stretch>
         </p:blipFill>
         <p:spPr>
           <a:xfrm>
-            <a:off x="1204277" y="1578587"/>
-            <a:ext cx="8849802" cy="4553737"/>
+            <a:off x="0" y="125729"/>
+            <a:ext cx="10248900" cy="6238353"/>
           </a:xfrm>
           <a:prstGeom prst="rect">
             <a:avLst/>
@@ -7187,23 +7090,22 @@
       </p:pic>
       <p:pic>
         <p:nvPicPr>
-          <p:cNvPr id="4" name="图片 3"/>
+          <p:cNvPr id="5" name="图片 4"/>
           <p:cNvPicPr>
             <a:picLocks noChangeAspect="1"/>
           </p:cNvPicPr>
           <p:nvPr/>
         </p:nvPicPr>
         <p:blipFill>
-          <a:blip r:embed="rId2"/>
-          <a:srcRect/>
+          <a:blip r:embed="rId4"/>
           <a:stretch>
             <a:fillRect/>
           </a:stretch>
         </p:blipFill>
         <p:spPr>
           <a:xfrm>
-            <a:off x="2623561" y="1534114"/>
-            <a:ext cx="8372099" cy="4545693"/>
+            <a:off x="1943100" y="331472"/>
+            <a:ext cx="10248900" cy="6526528"/>
           </a:xfrm>
           <a:prstGeom prst="rect">
             <a:avLst/>
@@ -7249,7 +7151,7 @@
                                           </p:stCondLst>
                                         </p:cTn>
                                         <p:tgtEl>
-                                          <p:spTgt spid="4"/>
+                                          <p:spTgt spid="5"/>
                                         </p:tgtEl>
                                         <p:attrNameLst>
                                           <p:attrName>style.visibility</p:attrName>
@@ -7263,7 +7165,7 @@
                                       <p:cBhvr additive="base">
                                         <p:cTn id="7" dur="500" fill="hold"/>
                                         <p:tgtEl>
-                                          <p:spTgt spid="4"/>
+                                          <p:spTgt spid="5"/>
                                         </p:tgtEl>
                                         <p:attrNameLst>
                                           <p:attrName>ppt_x</p:attrName>
@@ -7286,7 +7188,7 @@
                                       <p:cBhvr additive="base">
                                         <p:cTn id="8" dur="500" fill="hold"/>
                                         <p:tgtEl>
-                                          <p:spTgt spid="4"/>
+                                          <p:spTgt spid="5"/>
                                         </p:tgtEl>
                                         <p:attrNameLst>
                                           <p:attrName>ppt_y</p:attrName>
@@ -7548,16 +7450,6 @@
               </a:rPr>
               <a:t>下载，页面处理及分析和输出模块。在页面处理的过程中完成了对博客的分类工作，并最终将同一类的博客保存在同一个文件夹</a:t>
             </a:r>
-            <a:endParaRPr lang="zh-CN" altLang="en-US" sz="2800" dirty="0">
-              <a:solidFill>
-                <a:schemeClr val="tx1">
-                  <a:lumMod val="65000"/>
-                  <a:lumOff val="35000"/>
-                </a:schemeClr>
-              </a:solidFill>
-              <a:latin typeface="微软雅黑" pitchFamily="34" charset="-122"/>
-              <a:ea typeface="微软雅黑" pitchFamily="34" charset="-122"/>
-            </a:endParaRPr>
           </a:p>
         </p:txBody>
       </p:sp>
@@ -7664,7 +7556,7 @@
           <p:nvPr/>
         </p:nvPicPr>
         <p:blipFill>
-          <a:blip r:embed="rId1"/>
+          <a:blip r:embed="rId3"/>
           <a:srcRect/>
           <a:stretch>
             <a:fillRect/>
